--- a/lectures/20 - Virtual Machines.pptx
+++ b/lectures/20 - Virtual Machines.pptx
@@ -15939,7 +15939,7 @@
 </file>
 
 <file path=ppt/slides/slide16.xml><?xml version="1.0" encoding="utf-8"?>
-<p:sld xmlns:a="http://schemas.openxmlformats.org/drawingml/2006/main" xmlns:r="http://schemas.openxmlformats.org/officeDocument/2006/relationships" xmlns:p="http://schemas.openxmlformats.org/presentationml/2006/main">
+<p:sld xmlns:a="http://schemas.openxmlformats.org/drawingml/2006/main" xmlns:r="http://schemas.openxmlformats.org/officeDocument/2006/relationships" xmlns:p="http://schemas.openxmlformats.org/presentationml/2006/main" show="0">
   <p:cSld>
     <p:spTree>
       <p:nvGrpSpPr>
@@ -20267,7 +20267,7 @@
 </file>
 
 <file path=ppt/slides/slide49.xml><?xml version="1.0" encoding="utf-8"?>
-<p:sld xmlns:a="http://schemas.openxmlformats.org/drawingml/2006/main" xmlns:r="http://schemas.openxmlformats.org/officeDocument/2006/relationships" xmlns:p="http://schemas.openxmlformats.org/presentationml/2006/main">
+<p:sld xmlns:a="http://schemas.openxmlformats.org/drawingml/2006/main" xmlns:r="http://schemas.openxmlformats.org/officeDocument/2006/relationships" xmlns:p="http://schemas.openxmlformats.org/presentationml/2006/main" show="0">
   <p:cSld>
     <p:spTree>
       <p:nvGrpSpPr>
@@ -20908,10 +20908,9 @@
           <a:p>
             <a:pPr lvl="1"/>
             <a:r>
-              <a:rPr lang="en-US"/>
+              <a:rPr lang="en-US" dirty="0"/>
               <a:t>Linux in Windows</a:t>
             </a:r>
-            <a:endParaRPr lang="en-US" dirty="0"/>
           </a:p>
           <a:p>
             <a:pPr lvl="1"/>
